--- a/rf_Ningyu.pptx
+++ b/rf_Ningyu.pptx
@@ -6,7 +6,12 @@
   </p:sldMasterIdLst>
   <p:sldIdLst>
     <p:sldId id="256" r:id="rId2"/>
-    <p:sldId id="257" r:id="rId3"/>
+    <p:sldId id="258" r:id="rId3"/>
+    <p:sldId id="262" r:id="rId4"/>
+    <p:sldId id="257" r:id="rId5"/>
+    <p:sldId id="259" r:id="rId6"/>
+    <p:sldId id="260" r:id="rId7"/>
+    <p:sldId id="261" r:id="rId8"/>
   </p:sldIdLst>
   <p:sldSz cx="12192000" cy="6858000"/>
   <p:notesSz cx="6858000" cy="9144000"/>
@@ -105,6 +110,11 @@
       </a:defRPr>
     </a:lvl9pPr>
   </p:defaultTextStyle>
+  <p:extLst>
+    <p:ext uri="{EFAFB233-063F-42B5-8137-9DF3F51BA10A}">
+      <p15:sldGuideLst xmlns:p15="http://schemas.microsoft.com/office/powerpoint/2012/main"/>
+    </p:ext>
+  </p:extLst>
 </p:presentation>
 </file>
 
@@ -259,7 +269,7 @@
           <a:p>
             <a:fld id="{A9D7F1A0-7A1B-4AFA-AD7B-914EEF250AC2}" type="datetimeFigureOut">
               <a:rPr lang="en-US" smtClean="0"/>
-              <a:t>11/12/2017</a:t>
+              <a:t>12/3/2017</a:t>
             </a:fld>
             <a:endParaRPr lang="en-US"/>
           </a:p>
@@ -457,7 +467,7 @@
           <a:p>
             <a:fld id="{A9D7F1A0-7A1B-4AFA-AD7B-914EEF250AC2}" type="datetimeFigureOut">
               <a:rPr lang="en-US" smtClean="0"/>
-              <a:t>11/12/2017</a:t>
+              <a:t>12/3/2017</a:t>
             </a:fld>
             <a:endParaRPr lang="en-US"/>
           </a:p>
@@ -665,7 +675,7 @@
           <a:p>
             <a:fld id="{A9D7F1A0-7A1B-4AFA-AD7B-914EEF250AC2}" type="datetimeFigureOut">
               <a:rPr lang="en-US" smtClean="0"/>
-              <a:t>11/12/2017</a:t>
+              <a:t>12/3/2017</a:t>
             </a:fld>
             <a:endParaRPr lang="en-US"/>
           </a:p>
@@ -863,7 +873,7 @@
           <a:p>
             <a:fld id="{A9D7F1A0-7A1B-4AFA-AD7B-914EEF250AC2}" type="datetimeFigureOut">
               <a:rPr lang="en-US" smtClean="0"/>
-              <a:t>11/12/2017</a:t>
+              <a:t>12/3/2017</a:t>
             </a:fld>
             <a:endParaRPr lang="en-US"/>
           </a:p>
@@ -1138,7 +1148,7 @@
           <a:p>
             <a:fld id="{A9D7F1A0-7A1B-4AFA-AD7B-914EEF250AC2}" type="datetimeFigureOut">
               <a:rPr lang="en-US" smtClean="0"/>
-              <a:t>11/12/2017</a:t>
+              <a:t>12/3/2017</a:t>
             </a:fld>
             <a:endParaRPr lang="en-US"/>
           </a:p>
@@ -1403,7 +1413,7 @@
           <a:p>
             <a:fld id="{A9D7F1A0-7A1B-4AFA-AD7B-914EEF250AC2}" type="datetimeFigureOut">
               <a:rPr lang="en-US" smtClean="0"/>
-              <a:t>11/12/2017</a:t>
+              <a:t>12/3/2017</a:t>
             </a:fld>
             <a:endParaRPr lang="en-US"/>
           </a:p>
@@ -1815,7 +1825,7 @@
           <a:p>
             <a:fld id="{A9D7F1A0-7A1B-4AFA-AD7B-914EEF250AC2}" type="datetimeFigureOut">
               <a:rPr lang="en-US" smtClean="0"/>
-              <a:t>11/12/2017</a:t>
+              <a:t>12/3/2017</a:t>
             </a:fld>
             <a:endParaRPr lang="en-US"/>
           </a:p>
@@ -1956,7 +1966,7 @@
           <a:p>
             <a:fld id="{A9D7F1A0-7A1B-4AFA-AD7B-914EEF250AC2}" type="datetimeFigureOut">
               <a:rPr lang="en-US" smtClean="0"/>
-              <a:t>11/12/2017</a:t>
+              <a:t>12/3/2017</a:t>
             </a:fld>
             <a:endParaRPr lang="en-US"/>
           </a:p>
@@ -2069,7 +2079,7 @@
           <a:p>
             <a:fld id="{A9D7F1A0-7A1B-4AFA-AD7B-914EEF250AC2}" type="datetimeFigureOut">
               <a:rPr lang="en-US" smtClean="0"/>
-              <a:t>11/12/2017</a:t>
+              <a:t>12/3/2017</a:t>
             </a:fld>
             <a:endParaRPr lang="en-US"/>
           </a:p>
@@ -2380,7 +2390,7 @@
           <a:p>
             <a:fld id="{A9D7F1A0-7A1B-4AFA-AD7B-914EEF250AC2}" type="datetimeFigureOut">
               <a:rPr lang="en-US" smtClean="0"/>
-              <a:t>11/12/2017</a:t>
+              <a:t>12/3/2017</a:t>
             </a:fld>
             <a:endParaRPr lang="en-US"/>
           </a:p>
@@ -2668,7 +2678,7 @@
           <a:p>
             <a:fld id="{A9D7F1A0-7A1B-4AFA-AD7B-914EEF250AC2}" type="datetimeFigureOut">
               <a:rPr lang="en-US" smtClean="0"/>
-              <a:t>11/12/2017</a:t>
+              <a:t>12/3/2017</a:t>
             </a:fld>
             <a:endParaRPr lang="en-US"/>
           </a:p>
@@ -2909,7 +2919,7 @@
           <a:p>
             <a:fld id="{A9D7F1A0-7A1B-4AFA-AD7B-914EEF250AC2}" type="datetimeFigureOut">
               <a:rPr lang="en-US" smtClean="0"/>
-              <a:t>11/12/2017</a:t>
+              <a:t>12/3/2017</a:t>
             </a:fld>
             <a:endParaRPr lang="en-US"/>
           </a:p>
@@ -3340,8 +3350,8 @@
         </p:nvSpPr>
         <p:spPr>
           <a:xfrm>
-            <a:off x="1174831" y="816016"/>
-            <a:ext cx="10756214" cy="5016758"/>
+            <a:off x="827590" y="535387"/>
+            <a:ext cx="10756214" cy="3539430"/>
           </a:xfrm>
           <a:prstGeom prst="rect">
             <a:avLst/>
@@ -3370,21 +3380,6 @@
               <a:rPr lang="en-US" sz="3200" dirty="0"/>
               <a:t>            </a:t>
             </a:r>
-          </a:p>
-          <a:p>
-            <a:r>
-              <a:rPr lang="en-US" sz="3200" dirty="0"/>
-              <a:t>Training set:  93 observations * 361</a:t>
-            </a:r>
-          </a:p>
-          <a:p>
-            <a:r>
-              <a:rPr lang="en-US" sz="3200" dirty="0"/>
-              <a:t>Testing set: 78 observations * 361</a:t>
-            </a:r>
-          </a:p>
-          <a:p>
-            <a:endParaRPr lang="en-US" sz="3200" dirty="0"/>
           </a:p>
           <a:p>
             <a:r>
@@ -3440,6 +3435,105 @@
             <a:r>
               <a:rPr lang="en-US" dirty="0"/>
               <a:t> </a:t>
+            </a:r>
+          </a:p>
+        </p:txBody>
+      </p:sp>
+      <p:sp>
+        <p:nvSpPr>
+          <p:cNvPr id="6" name="TextBox 5">
+            <a:extLst>
+              <a:ext uri="{FF2B5EF4-FFF2-40B4-BE49-F238E27FC236}">
+                <a16:creationId xmlns:a16="http://schemas.microsoft.com/office/drawing/2014/main" id="{CCF09E3E-B3FD-497F-AFA5-61B6E49765F4}"/>
+              </a:ext>
+            </a:extLst>
+          </p:cNvPr>
+          <p:cNvSpPr txBox="1"/>
+          <p:nvPr/>
+        </p:nvSpPr>
+        <p:spPr>
+          <a:xfrm>
+            <a:off x="827590" y="5706033"/>
+            <a:ext cx="9838481" cy="1015663"/>
+          </a:xfrm>
+          <a:prstGeom prst="rect">
+            <a:avLst/>
+          </a:prstGeom>
+          <a:noFill/>
+        </p:spPr>
+        <p:txBody>
+          <a:bodyPr wrap="square" rtlCol="0">
+            <a:spAutoFit/>
+          </a:bodyPr>
+          <a:lstStyle/>
+          <a:p>
+            <a:r>
+              <a:rPr lang="en-US" sz="3200" dirty="0"/>
+              <a:t>ROC curve doesn’t work (with </a:t>
+            </a:r>
+            <a:r>
+              <a:rPr lang="en-US" sz="3200" dirty="0" err="1"/>
+              <a:t>mtry</a:t>
+            </a:r>
+            <a:r>
+              <a:rPr lang="en-US" sz="3200" dirty="0"/>
+              <a:t> as the parameter</a:t>
+            </a:r>
+            <a:r>
+              <a:rPr lang="en-US" sz="2800" dirty="0"/>
+              <a:t>)</a:t>
+            </a:r>
+          </a:p>
+          <a:p>
+            <a:endParaRPr lang="en-US" sz="2800" dirty="0"/>
+          </a:p>
+        </p:txBody>
+      </p:sp>
+      <p:sp>
+        <p:nvSpPr>
+          <p:cNvPr id="2" name="TextBox 1">
+            <a:extLst>
+              <a:ext uri="{FF2B5EF4-FFF2-40B4-BE49-F238E27FC236}">
+                <a16:creationId xmlns:a16="http://schemas.microsoft.com/office/drawing/2014/main" id="{87079E9C-6675-41FA-AE19-85410655F6C3}"/>
+              </a:ext>
+            </a:extLst>
+          </p:cNvPr>
+          <p:cNvSpPr txBox="1"/>
+          <p:nvPr/>
+        </p:nvSpPr>
+        <p:spPr>
+          <a:xfrm>
+            <a:off x="827590" y="4426257"/>
+            <a:ext cx="11161645" cy="1077218"/>
+          </a:xfrm>
+          <a:prstGeom prst="rect">
+            <a:avLst/>
+          </a:prstGeom>
+          <a:noFill/>
+        </p:spPr>
+        <p:txBody>
+          <a:bodyPr wrap="none" rtlCol="0">
+            <a:spAutoFit/>
+          </a:bodyPr>
+          <a:lstStyle/>
+          <a:p>
+            <a:r>
+              <a:rPr lang="en-US" sz="3200" dirty="0"/>
+              <a:t>Parameter:  the number of trees(500),  select </a:t>
+            </a:r>
+            <a:r>
+              <a:rPr lang="en-US" sz="3200" dirty="0" err="1"/>
+              <a:t>mtry</a:t>
+            </a:r>
+            <a:r>
+              <a:rPr lang="en-US" sz="3200" dirty="0"/>
+              <a:t> variables from </a:t>
+            </a:r>
+          </a:p>
+          <a:p>
+            <a:r>
+              <a:rPr lang="en-US" sz="3200" dirty="0"/>
+              <a:t>360, Node size(tree depth)</a:t>
             </a:r>
           </a:p>
         </p:txBody>
@@ -3479,7 +3573,7 @@
           <p:cNvPr id="6" name="Picture 5">
             <a:extLst>
               <a:ext uri="{FF2B5EF4-FFF2-40B4-BE49-F238E27FC236}">
-                <a16:creationId xmlns:a16="http://schemas.microsoft.com/office/drawing/2014/main" id="{1B131786-D80C-4B8E-928E-B55670705986}"/>
+                <a16:creationId xmlns:a16="http://schemas.microsoft.com/office/drawing/2014/main" id="{F98E53DC-887F-4BDC-B408-31326930A18C}"/>
               </a:ext>
             </a:extLst>
           </p:cNvPr>
@@ -3502,141 +3596,267 @@
         </p:blipFill>
         <p:spPr>
           <a:xfrm>
-            <a:off x="2536710" y="1657668"/>
-            <a:ext cx="5471761" cy="4725611"/>
+            <a:off x="3524250" y="0"/>
+            <a:ext cx="5105774" cy="6858000"/>
           </a:xfrm>
           <a:prstGeom prst="rect">
             <a:avLst/>
           </a:prstGeom>
         </p:spPr>
       </p:pic>
-      <p:sp>
-        <p:nvSpPr>
-          <p:cNvPr id="9" name="Rectangle 2">
-            <a:extLst>
-              <a:ext uri="{FF2B5EF4-FFF2-40B4-BE49-F238E27FC236}">
-                <a16:creationId xmlns:a16="http://schemas.microsoft.com/office/drawing/2014/main" id="{CED5DF89-F4FF-485C-800F-781465EF2B83}"/>
-              </a:ext>
-            </a:extLst>
-          </p:cNvPr>
-          <p:cNvSpPr>
-            <a:spLocks noChangeArrowheads="1"/>
-          </p:cNvSpPr>
+    </p:spTree>
+    <p:extLst>
+      <p:ext uri="{BB962C8B-B14F-4D97-AF65-F5344CB8AC3E}">
+        <p14:creationId xmlns:p14="http://schemas.microsoft.com/office/powerpoint/2010/main" val="991946441"/>
+      </p:ext>
+    </p:extLst>
+  </p:cSld>
+  <p:clrMapOvr>
+    <a:masterClrMapping/>
+  </p:clrMapOvr>
+</p:sld>
+</file>
+
+<file path=ppt/slides/slide3.xml><?xml version="1.0" encoding="utf-8"?>
+<p:sld xmlns:a="http://schemas.openxmlformats.org/drawingml/2006/main" xmlns:r="http://schemas.openxmlformats.org/officeDocument/2006/relationships" xmlns:p="http://schemas.openxmlformats.org/presentationml/2006/main">
+  <p:cSld>
+    <p:spTree>
+      <p:nvGrpSpPr>
+        <p:cNvPr id="1" name=""/>
+        <p:cNvGrpSpPr/>
+        <p:nvPr/>
+      </p:nvGrpSpPr>
+      <p:grpSpPr>
+        <a:xfrm>
+          <a:off x="0" y="0"/>
+          <a:ext cx="0" cy="0"/>
+          <a:chOff x="0" y="0"/>
+          <a:chExt cx="0" cy="0"/>
+        </a:xfrm>
+      </p:grpSpPr>
+      <p:graphicFrame>
+        <p:nvGraphicFramePr>
+          <p:cNvPr id="5" name="Object 4">
+            <a:extLst>
+              <a:ext uri="{FF2B5EF4-FFF2-40B4-BE49-F238E27FC236}">
+                <a16:creationId xmlns:a16="http://schemas.microsoft.com/office/drawing/2014/main" id="{E9C9C2A3-04BE-41BE-A026-9B24E0792118}"/>
+              </a:ext>
+            </a:extLst>
+          </p:cNvPr>
+          <p:cNvGraphicFramePr>
+            <a:graphicFrameLocks noChangeAspect="1"/>
+          </p:cNvGraphicFramePr>
+          <p:nvPr>
+            <p:extLst>
+              <p:ext uri="{D42A27DB-BD31-4B8C-83A1-F6EECF244321}">
+                <p14:modId xmlns:p14="http://schemas.microsoft.com/office/powerpoint/2010/main" val="912535353"/>
+              </p:ext>
+            </p:extLst>
+          </p:nvPr>
+        </p:nvGraphicFramePr>
+        <p:xfrm>
+          <a:off x="2870562" y="1255854"/>
+          <a:ext cx="5804521" cy="5191245"/>
+        </p:xfrm>
+        <a:graphic>
+          <a:graphicData uri="http://schemas.openxmlformats.org/presentationml/2006/ole">
+            <mc:AlternateContent xmlns:mc="http://schemas.openxmlformats.org/markup-compatibility/2006">
+              <mc:Choice xmlns:v="urn:schemas-microsoft-com:vml" Requires="v">
+                <p:oleObj spid="_x0000_s3074" name="Acrobat Document" r:id="rId3" imgW="2742992" imgH="2743200" progId="AcroExch.Document.DC">
+                  <p:embed/>
+                </p:oleObj>
+              </mc:Choice>
+              <mc:Fallback>
+                <p:oleObj name="Acrobat Document" r:id="rId3" imgW="2742992" imgH="2743200" progId="AcroExch.Document.DC">
+                  <p:embed/>
+                  <p:pic>
+                    <p:nvPicPr>
+                      <p:cNvPr id="0" name=""/>
+                      <p:cNvPicPr/>
+                      <p:nvPr/>
+                    </p:nvPicPr>
+                    <p:blipFill>
+                      <a:blip r:embed="rId4"/>
+                      <a:stretch>
+                        <a:fillRect/>
+                      </a:stretch>
+                    </p:blipFill>
+                    <p:spPr>
+                      <a:xfrm>
+                        <a:off x="2870562" y="1255854"/>
+                        <a:ext cx="5804521" cy="5191245"/>
+                      </a:xfrm>
+                      <a:prstGeom prst="rect">
+                        <a:avLst/>
+                      </a:prstGeom>
+                    </p:spPr>
+                  </p:pic>
+                </p:oleObj>
+              </mc:Fallback>
+            </mc:AlternateContent>
+          </a:graphicData>
+        </a:graphic>
+      </p:graphicFrame>
+      <p:sp>
+        <p:nvSpPr>
+          <p:cNvPr id="6" name="TextBox 5">
+            <a:extLst>
+              <a:ext uri="{FF2B5EF4-FFF2-40B4-BE49-F238E27FC236}">
+                <a16:creationId xmlns:a16="http://schemas.microsoft.com/office/drawing/2014/main" id="{01E9B520-2153-49FB-A7BD-938B8416067F}"/>
+              </a:ext>
+            </a:extLst>
+          </p:cNvPr>
+          <p:cNvSpPr txBox="1"/>
           <p:nvPr/>
         </p:nvSpPr>
-        <p:spPr bwMode="auto">
+        <p:spPr>
           <a:xfrm>
-            <a:off x="2839259" y="599936"/>
-            <a:ext cx="6899063" cy="861774"/>
+            <a:off x="4589362" y="732634"/>
+            <a:ext cx="3374020" cy="523220"/>
           </a:xfrm>
           <a:prstGeom prst="rect">
             <a:avLst/>
           </a:prstGeom>
-          <a:solidFill>
-            <a:srgbClr val="FFFFFF"/>
-          </a:solidFill>
-          <a:ln>
-            <a:noFill/>
-          </a:ln>
-          <a:effectLst/>
-          <a:extLst>
-            <a:ext uri="{91240B29-F687-4F45-9708-019B960494DF}">
-              <a14:hiddenLine xmlns:a14="http://schemas.microsoft.com/office/drawing/2010/main" w="9525">
-                <a:solidFill>
-                  <a:schemeClr val="tx1"/>
-                </a:solidFill>
-                <a:miter lim="800000"/>
-                <a:headEnd/>
-                <a:tailEnd/>
-              </a14:hiddenLine>
-            </a:ext>
-            <a:ext uri="{AF507438-7753-43E0-B8FC-AC1667EBCBE1}">
-              <a14:hiddenEffects xmlns:a14="http://schemas.microsoft.com/office/drawing/2010/main">
-                <a:effectLst>
-                  <a:outerShdw dist="35921" dir="2700000" algn="ctr" rotWithShape="0">
-                    <a:schemeClr val="bg2"/>
-                  </a:outerShdw>
-                </a:effectLst>
-              </a14:hiddenEffects>
-            </a:ext>
-          </a:extLst>
+          <a:noFill/>
         </p:spPr>
         <p:txBody>
-          <a:bodyPr vert="horz" wrap="square" lIns="0" tIns="0" rIns="0" bIns="0" numCol="1" anchor="ctr" anchorCtr="0" compatLnSpc="1">
-            <a:prstTxWarp prst="textNoShape">
-              <a:avLst/>
-            </a:prstTxWarp>
+          <a:bodyPr wrap="square" rtlCol="0">
             <a:spAutoFit/>
           </a:bodyPr>
           <a:lstStyle/>
           <a:p>
-            <a:pPr marL="0" marR="0" lvl="0" indent="0" algn="l" defTabSz="914400" rtl="0" eaLnBrk="0" fontAlgn="base" latinLnBrk="0" hangingPunct="0">
-              <a:lnSpc>
-                <a:spcPct val="100000"/>
-              </a:lnSpc>
-              <a:spcBef>
-                <a:spcPct val="0"/>
-              </a:spcBef>
-              <a:spcAft>
-                <a:spcPct val="0"/>
-              </a:spcAft>
-              <a:buClrTx/>
-              <a:buSzTx/>
-              <a:buFontTx/>
-              <a:buNone/>
-              <a:tabLst/>
-            </a:pPr>
-            <a:r>
-              <a:rPr kumimoji="0" lang="en-US" altLang="en-US" sz="2800" i="0" u="none" strike="noStrike" cap="none" normalizeH="0" baseline="0" dirty="0">
-                <a:ln>
-                  <a:noFill/>
-                </a:ln>
-                <a:solidFill>
-                  <a:srgbClr val="000000"/>
-                </a:solidFill>
-                <a:effectLst/>
-                <a:latin typeface="Arial Unicode MS" panose="020B0604020202020204" pitchFamily="34" charset="-128"/>
-                <a:ea typeface="Courier"/>
-              </a:rPr>
-              <a:t>Area under the curve(AUC): 0.7739</a:t>
-            </a:r>
-          </a:p>
-          <a:p>
-            <a:pPr marL="0" marR="0" lvl="0" indent="0" algn="l" defTabSz="914400" rtl="0" eaLnBrk="0" fontAlgn="base" latinLnBrk="0" hangingPunct="0">
-              <a:lnSpc>
-                <a:spcPct val="100000"/>
-              </a:lnSpc>
-              <a:spcBef>
-                <a:spcPct val="0"/>
-              </a:spcBef>
-              <a:spcAft>
-                <a:spcPct val="0"/>
-              </a:spcAft>
-              <a:buClrTx/>
-              <a:buSzTx/>
-              <a:buFontTx/>
-              <a:buNone/>
-              <a:tabLst/>
-            </a:pPr>
-            <a:r>
-              <a:rPr lang="en-US" altLang="en-US" sz="2800" dirty="0">
-                <a:solidFill>
-                  <a:srgbClr val="000000"/>
-                </a:solidFill>
-                <a:latin typeface="Arial Unicode MS" panose="020B0604020202020204" pitchFamily="34" charset="-128"/>
-              </a:rPr>
-              <a:t>ROC:</a:t>
-            </a:r>
-            <a:endParaRPr kumimoji="0" lang="en-US" altLang="en-US" sz="2800" i="0" u="none" strike="noStrike" cap="none" normalizeH="0" baseline="0" dirty="0">
-              <a:ln>
-                <a:noFill/>
-              </a:ln>
-              <a:solidFill>
-                <a:schemeClr val="tx1"/>
-              </a:solidFill>
-              <a:effectLst/>
-              <a:latin typeface="Arial" panose="020B0604020202020204" pitchFamily="34" charset="0"/>
-            </a:endParaRPr>
+            <a:r>
+              <a:rPr lang="en-US" sz="2800" dirty="0"/>
+              <a:t>Error Analysis</a:t>
+            </a:r>
+          </a:p>
+        </p:txBody>
+      </p:sp>
+    </p:spTree>
+    <p:extLst>
+      <p:ext uri="{BB962C8B-B14F-4D97-AF65-F5344CB8AC3E}">
+        <p14:creationId xmlns:p14="http://schemas.microsoft.com/office/powerpoint/2010/main" val="2196110036"/>
+      </p:ext>
+    </p:extLst>
+  </p:cSld>
+  <p:clrMapOvr>
+    <a:masterClrMapping/>
+  </p:clrMapOvr>
+</p:sld>
+</file>
+
+<file path=ppt/slides/slide4.xml><?xml version="1.0" encoding="utf-8"?>
+<p:sld xmlns:a="http://schemas.openxmlformats.org/drawingml/2006/main" xmlns:r="http://schemas.openxmlformats.org/officeDocument/2006/relationships" xmlns:p="http://schemas.openxmlformats.org/presentationml/2006/main">
+  <p:cSld>
+    <p:spTree>
+      <p:nvGrpSpPr>
+        <p:cNvPr id="1" name=""/>
+        <p:cNvGrpSpPr/>
+        <p:nvPr/>
+      </p:nvGrpSpPr>
+      <p:grpSpPr>
+        <a:xfrm>
+          <a:off x="0" y="0"/>
+          <a:ext cx="0" cy="0"/>
+          <a:chOff x="0" y="0"/>
+          <a:chExt cx="0" cy="0"/>
+        </a:xfrm>
+      </p:grpSpPr>
+      <p:graphicFrame>
+        <p:nvGraphicFramePr>
+          <p:cNvPr id="3" name="Object 2">
+            <a:extLst>
+              <a:ext uri="{FF2B5EF4-FFF2-40B4-BE49-F238E27FC236}">
+                <a16:creationId xmlns:a16="http://schemas.microsoft.com/office/drawing/2014/main" id="{3773D317-84ED-47E9-9BF8-D0BC7C0536C2}"/>
+              </a:ext>
+            </a:extLst>
+          </p:cNvPr>
+          <p:cNvGraphicFramePr>
+            <a:graphicFrameLocks noChangeAspect="1"/>
+          </p:cNvGraphicFramePr>
+          <p:nvPr>
+            <p:extLst>
+              <p:ext uri="{D42A27DB-BD31-4B8C-83A1-F6EECF244321}">
+                <p14:modId xmlns:p14="http://schemas.microsoft.com/office/powerpoint/2010/main" val="3063646451"/>
+              </p:ext>
+            </p:extLst>
+          </p:nvPr>
+        </p:nvGraphicFramePr>
+        <p:xfrm>
+          <a:off x="2633282" y="1000987"/>
+          <a:ext cx="5746789" cy="5746789"/>
+        </p:xfrm>
+        <a:graphic>
+          <a:graphicData uri="http://schemas.openxmlformats.org/presentationml/2006/ole">
+            <mc:AlternateContent xmlns:mc="http://schemas.openxmlformats.org/markup-compatibility/2006">
+              <mc:Choice xmlns:v="urn:schemas-microsoft-com:vml" Requires="v">
+                <p:oleObj spid="_x0000_s1028" name="Acrobat Document" r:id="rId3" imgW="2742992" imgH="2743200" progId="AcroExch.Document.DC">
+                  <p:embed/>
+                </p:oleObj>
+              </mc:Choice>
+              <mc:Fallback>
+                <p:oleObj name="Acrobat Document" r:id="rId3" imgW="2742992" imgH="2743200" progId="AcroExch.Document.DC">
+                  <p:embed/>
+                  <p:pic>
+                    <p:nvPicPr>
+                      <p:cNvPr id="0" name=""/>
+                      <p:cNvPicPr/>
+                      <p:nvPr/>
+                    </p:nvPicPr>
+                    <p:blipFill>
+                      <a:blip r:embed="rId4"/>
+                      <a:stretch>
+                        <a:fillRect/>
+                      </a:stretch>
+                    </p:blipFill>
+                    <p:spPr>
+                      <a:xfrm>
+                        <a:off x="2633282" y="1000987"/>
+                        <a:ext cx="5746789" cy="5746789"/>
+                      </a:xfrm>
+                      <a:prstGeom prst="rect">
+                        <a:avLst/>
+                      </a:prstGeom>
+                    </p:spPr>
+                  </p:pic>
+                </p:oleObj>
+              </mc:Fallback>
+            </mc:AlternateContent>
+          </a:graphicData>
+        </a:graphic>
+      </p:graphicFrame>
+      <p:sp>
+        <p:nvSpPr>
+          <p:cNvPr id="4" name="TextBox 3">
+            <a:extLst>
+              <a:ext uri="{FF2B5EF4-FFF2-40B4-BE49-F238E27FC236}">
+                <a16:creationId xmlns:a16="http://schemas.microsoft.com/office/drawing/2014/main" id="{7F9F7953-1F23-4087-AC26-FA84A54AE410}"/>
+              </a:ext>
+            </a:extLst>
+          </p:cNvPr>
+          <p:cNvSpPr txBox="1"/>
+          <p:nvPr/>
+        </p:nvSpPr>
+        <p:spPr>
+          <a:xfrm>
+            <a:off x="1695691" y="539322"/>
+            <a:ext cx="7142148" cy="461665"/>
+          </a:xfrm>
+          <a:prstGeom prst="rect">
+            <a:avLst/>
+          </a:prstGeom>
+          <a:noFill/>
+        </p:spPr>
+        <p:txBody>
+          <a:bodyPr wrap="none" rtlCol="0">
+            <a:spAutoFit/>
+          </a:bodyPr>
+          <a:lstStyle/>
+          <a:p>
+            <a:r>
+              <a:rPr lang="en-US" sz="2400" dirty="0"/>
+              <a:t>Cross Validation: 10 fold, 9 fold for training, 1 for testing</a:t>
+            </a:r>
           </a:p>
         </p:txBody>
       </p:sp>
@@ -3644,6 +3864,615 @@
     <p:extLst>
       <p:ext uri="{BB962C8B-B14F-4D97-AF65-F5344CB8AC3E}">
         <p14:creationId xmlns:p14="http://schemas.microsoft.com/office/powerpoint/2010/main" val="2771996370"/>
+      </p:ext>
+    </p:extLst>
+  </p:cSld>
+  <p:clrMapOvr>
+    <a:masterClrMapping/>
+  </p:clrMapOvr>
+</p:sld>
+</file>
+
+<file path=ppt/slides/slide5.xml><?xml version="1.0" encoding="utf-8"?>
+<p:sld xmlns:a="http://schemas.openxmlformats.org/drawingml/2006/main" xmlns:r="http://schemas.openxmlformats.org/officeDocument/2006/relationships" xmlns:p="http://schemas.openxmlformats.org/presentationml/2006/main">
+  <p:cSld>
+    <p:spTree>
+      <p:nvGrpSpPr>
+        <p:cNvPr id="1" name=""/>
+        <p:cNvGrpSpPr/>
+        <p:nvPr/>
+      </p:nvGrpSpPr>
+      <p:grpSpPr>
+        <a:xfrm>
+          <a:off x="0" y="0"/>
+          <a:ext cx="0" cy="0"/>
+          <a:chOff x="0" y="0"/>
+          <a:chExt cx="0" cy="0"/>
+        </a:xfrm>
+      </p:grpSpPr>
+      <p:graphicFrame>
+        <p:nvGraphicFramePr>
+          <p:cNvPr id="5" name="Object 4">
+            <a:extLst>
+              <a:ext uri="{FF2B5EF4-FFF2-40B4-BE49-F238E27FC236}">
+                <a16:creationId xmlns:a16="http://schemas.microsoft.com/office/drawing/2014/main" id="{5E4A3691-9082-4F4D-802F-6F9DB3BBB750}"/>
+              </a:ext>
+            </a:extLst>
+          </p:cNvPr>
+          <p:cNvGraphicFramePr>
+            <a:graphicFrameLocks noChangeAspect="1"/>
+          </p:cNvGraphicFramePr>
+          <p:nvPr>
+            <p:extLst>
+              <p:ext uri="{D42A27DB-BD31-4B8C-83A1-F6EECF244321}">
+                <p14:modId xmlns:p14="http://schemas.microsoft.com/office/powerpoint/2010/main" val="3547707547"/>
+              </p:ext>
+            </p:extLst>
+          </p:nvPr>
+        </p:nvGraphicFramePr>
+        <p:xfrm>
+          <a:off x="2777964" y="500626"/>
+          <a:ext cx="6036158" cy="6036158"/>
+        </p:xfrm>
+        <a:graphic>
+          <a:graphicData uri="http://schemas.openxmlformats.org/presentationml/2006/ole">
+            <mc:AlternateContent xmlns:mc="http://schemas.openxmlformats.org/markup-compatibility/2006">
+              <mc:Choice xmlns:v="urn:schemas-microsoft-com:vml" Requires="v">
+                <p:oleObj spid="_x0000_s2052" name="Acrobat Document" r:id="rId3" imgW="2742992" imgH="2743200" progId="AcroExch.Document.DC">
+                  <p:embed/>
+                </p:oleObj>
+              </mc:Choice>
+              <mc:Fallback>
+                <p:oleObj name="Acrobat Document" r:id="rId3" imgW="2742992" imgH="2743200" progId="AcroExch.Document.DC">
+                  <p:embed/>
+                  <p:pic>
+                    <p:nvPicPr>
+                      <p:cNvPr id="0" name=""/>
+                      <p:cNvPicPr/>
+                      <p:nvPr/>
+                    </p:nvPicPr>
+                    <p:blipFill>
+                      <a:blip r:embed="rId4"/>
+                      <a:stretch>
+                        <a:fillRect/>
+                      </a:stretch>
+                    </p:blipFill>
+                    <p:spPr>
+                      <a:xfrm>
+                        <a:off x="2777964" y="500626"/>
+                        <a:ext cx="6036158" cy="6036158"/>
+                      </a:xfrm>
+                      <a:prstGeom prst="rect">
+                        <a:avLst/>
+                      </a:prstGeom>
+                    </p:spPr>
+                  </p:pic>
+                </p:oleObj>
+              </mc:Fallback>
+            </mc:AlternateContent>
+          </a:graphicData>
+        </a:graphic>
+      </p:graphicFrame>
+    </p:spTree>
+    <p:extLst>
+      <p:ext uri="{BB962C8B-B14F-4D97-AF65-F5344CB8AC3E}">
+        <p14:creationId xmlns:p14="http://schemas.microsoft.com/office/powerpoint/2010/main" val="433275148"/>
+      </p:ext>
+    </p:extLst>
+  </p:cSld>
+  <p:clrMapOvr>
+    <a:masterClrMapping/>
+  </p:clrMapOvr>
+</p:sld>
+</file>
+
+<file path=ppt/slides/slide6.xml><?xml version="1.0" encoding="utf-8"?>
+<p:sld xmlns:a="http://schemas.openxmlformats.org/drawingml/2006/main" xmlns:r="http://schemas.openxmlformats.org/officeDocument/2006/relationships" xmlns:p="http://schemas.openxmlformats.org/presentationml/2006/main">
+  <p:cSld>
+    <p:spTree>
+      <p:nvGrpSpPr>
+        <p:cNvPr id="1" name=""/>
+        <p:cNvGrpSpPr/>
+        <p:nvPr/>
+      </p:nvGrpSpPr>
+      <p:grpSpPr>
+        <a:xfrm>
+          <a:off x="0" y="0"/>
+          <a:ext cx="0" cy="0"/>
+          <a:chOff x="0" y="0"/>
+          <a:chExt cx="0" cy="0"/>
+        </a:xfrm>
+      </p:grpSpPr>
+      <p:sp>
+        <p:nvSpPr>
+          <p:cNvPr id="4" name="TextBox 3">
+            <a:extLst>
+              <a:ext uri="{FF2B5EF4-FFF2-40B4-BE49-F238E27FC236}">
+                <a16:creationId xmlns:a16="http://schemas.microsoft.com/office/drawing/2014/main" id="{171A65C1-AE9C-4918-BBEE-C9B4D1FB7A26}"/>
+              </a:ext>
+            </a:extLst>
+          </p:cNvPr>
+          <p:cNvSpPr txBox="1"/>
+          <p:nvPr/>
+        </p:nvSpPr>
+        <p:spPr>
+          <a:xfrm>
+            <a:off x="3549087" y="551677"/>
+            <a:ext cx="5093825" cy="461665"/>
+          </a:xfrm>
+          <a:prstGeom prst="rect">
+            <a:avLst/>
+          </a:prstGeom>
+          <a:noFill/>
+        </p:spPr>
+        <p:txBody>
+          <a:bodyPr wrap="square" rtlCol="0">
+            <a:spAutoFit/>
+          </a:bodyPr>
+          <a:lstStyle/>
+          <a:p>
+            <a:r>
+              <a:rPr lang="en-US" sz="2400" dirty="0"/>
+              <a:t>Variance Selection  </a:t>
+            </a:r>
+            <a:r>
+              <a:rPr lang="en-US" sz="2400" dirty="0" err="1"/>
+              <a:t>Yanmei’s</a:t>
+            </a:r>
+            <a:r>
+              <a:rPr lang="en-US" sz="2400" dirty="0"/>
+              <a:t> method </a:t>
+            </a:r>
+          </a:p>
+        </p:txBody>
+      </p:sp>
+      <p:sp>
+        <p:nvSpPr>
+          <p:cNvPr id="5" name="TextBox 4">
+            <a:extLst>
+              <a:ext uri="{FF2B5EF4-FFF2-40B4-BE49-F238E27FC236}">
+                <a16:creationId xmlns:a16="http://schemas.microsoft.com/office/drawing/2014/main" id="{606B4A23-2B60-444D-AF44-D873371A9AF9}"/>
+              </a:ext>
+            </a:extLst>
+          </p:cNvPr>
+          <p:cNvSpPr txBox="1"/>
+          <p:nvPr/>
+        </p:nvSpPr>
+        <p:spPr>
+          <a:xfrm>
+            <a:off x="725258" y="1013342"/>
+            <a:ext cx="10984482" cy="2308324"/>
+          </a:xfrm>
+          <a:prstGeom prst="rect">
+            <a:avLst/>
+          </a:prstGeom>
+          <a:noFill/>
+        </p:spPr>
+        <p:txBody>
+          <a:bodyPr wrap="none" rtlCol="0">
+            <a:spAutoFit/>
+          </a:bodyPr>
+          <a:lstStyle/>
+          <a:p>
+            <a:endParaRPr lang="en-US" dirty="0"/>
+          </a:p>
+          <a:p>
+            <a:r>
+              <a:rPr lang="zh-CN" altLang="en-US" dirty="0"/>
+              <a:t> </a:t>
+            </a:r>
+            <a:r>
+              <a:rPr lang="en-US" altLang="zh-CN" dirty="0"/>
+              <a:t>5-fold CV</a:t>
+            </a:r>
+            <a:r>
+              <a:rPr lang="zh-CN" altLang="en-US" dirty="0"/>
+              <a:t>中，原始的</a:t>
+            </a:r>
+            <a:r>
+              <a:rPr lang="en-US" altLang="zh-CN" dirty="0"/>
+              <a:t>X</a:t>
+            </a:r>
+            <a:r>
+              <a:rPr lang="zh-CN" altLang="en-US" dirty="0"/>
+              <a:t>，</a:t>
+            </a:r>
+            <a:r>
+              <a:rPr lang="en-US" altLang="zh-CN" dirty="0"/>
+              <a:t>Y</a:t>
+            </a:r>
+            <a:r>
+              <a:rPr lang="zh-CN" altLang="en-US" dirty="0"/>
+              <a:t>会被分</a:t>
+            </a:r>
+            <a:r>
+              <a:rPr lang="en-US" altLang="zh-CN" dirty="0"/>
+              <a:t>5</a:t>
+            </a:r>
+            <a:r>
+              <a:rPr lang="zh-CN" altLang="en-US" dirty="0"/>
+              <a:t>次，每次分成</a:t>
+            </a:r>
+            <a:r>
+              <a:rPr lang="en-US" altLang="zh-CN" dirty="0"/>
+              <a:t>5</a:t>
+            </a:r>
+            <a:r>
+              <a:rPr lang="zh-CN" altLang="en-US" dirty="0"/>
+              <a:t>份。其中</a:t>
+            </a:r>
+            <a:r>
+              <a:rPr lang="en-US" altLang="zh-CN" dirty="0"/>
+              <a:t>4</a:t>
+            </a:r>
+            <a:r>
+              <a:rPr lang="zh-CN" altLang="en-US" dirty="0"/>
+              <a:t>份为训练集，</a:t>
+            </a:r>
+            <a:r>
+              <a:rPr lang="en-US" altLang="zh-CN" dirty="0"/>
+              <a:t>1</a:t>
+            </a:r>
+            <a:r>
+              <a:rPr lang="zh-CN" altLang="en-US" dirty="0"/>
+              <a:t>份为测试集。比如我们把</a:t>
+            </a:r>
+            <a:endParaRPr lang="en-US" altLang="zh-CN" dirty="0"/>
+          </a:p>
+          <a:p>
+            <a:r>
+              <a:rPr lang="zh-CN" altLang="en-US" dirty="0"/>
+              <a:t>第一次的</a:t>
+            </a:r>
+            <a:r>
+              <a:rPr lang="en-US" altLang="zh-CN" dirty="0"/>
+              <a:t>CV</a:t>
+            </a:r>
+            <a:r>
+              <a:rPr lang="zh-CN" altLang="en-US" dirty="0"/>
+              <a:t>中的数据集记为</a:t>
+            </a:r>
+            <a:r>
+              <a:rPr lang="en-US" altLang="zh-CN" dirty="0"/>
+              <a:t>DataSet1 (DS1). </a:t>
+            </a:r>
+            <a:r>
+              <a:rPr lang="zh-CN" altLang="en-US" dirty="0"/>
+              <a:t>并且选择</a:t>
+            </a:r>
+            <a:r>
+              <a:rPr lang="en-US" altLang="zh-CN" dirty="0"/>
+              <a:t>X</a:t>
+            </a:r>
+            <a:r>
+              <a:rPr lang="zh-CN" altLang="en-US" dirty="0"/>
+              <a:t>的数目时基于</a:t>
+            </a:r>
+            <a:r>
+              <a:rPr lang="en-US" altLang="zh-CN" dirty="0" err="1"/>
+              <a:t>n.var</a:t>
+            </a:r>
+            <a:r>
+              <a:rPr lang="zh-CN" altLang="en-US" dirty="0"/>
+              <a:t>向量。对于</a:t>
+            </a:r>
+            <a:r>
+              <a:rPr lang="en-US" altLang="zh-CN" dirty="0" err="1"/>
+              <a:t>n.var</a:t>
+            </a:r>
+            <a:r>
+              <a:rPr lang="zh-CN" altLang="en-US" dirty="0"/>
+              <a:t>中的第一个元素，</a:t>
+            </a:r>
+            <a:endParaRPr lang="en-US" altLang="zh-CN" dirty="0"/>
+          </a:p>
+          <a:p>
+            <a:r>
+              <a:rPr lang="zh-CN" altLang="en-US" dirty="0"/>
+              <a:t>比如</a:t>
+            </a:r>
+            <a:r>
+              <a:rPr lang="en-US" altLang="zh-CN" dirty="0"/>
+              <a:t>360</a:t>
+            </a:r>
+            <a:r>
+              <a:rPr lang="zh-CN" altLang="en-US" dirty="0"/>
+              <a:t>，则使用</a:t>
+            </a:r>
+            <a:r>
+              <a:rPr lang="en-US" altLang="zh-CN" dirty="0"/>
+              <a:t>DS1</a:t>
+            </a:r>
+            <a:r>
+              <a:rPr lang="zh-CN" altLang="en-US" dirty="0"/>
+              <a:t>作为其训练集和测试集，得到每一个变量的重要程度（</a:t>
+            </a:r>
+            <a:r>
+              <a:rPr lang="en-US" altLang="zh-CN" dirty="0"/>
+              <a:t>importance</a:t>
+            </a:r>
+            <a:r>
+              <a:rPr lang="zh-CN" altLang="en-US" dirty="0"/>
+              <a:t>），并按照重要程度</a:t>
+            </a:r>
+            <a:endParaRPr lang="en-US" altLang="zh-CN" dirty="0"/>
+          </a:p>
+          <a:p>
+            <a:r>
+              <a:rPr lang="zh-CN" altLang="en-US" dirty="0"/>
+              <a:t>从高到低对</a:t>
+            </a:r>
+            <a:r>
+              <a:rPr lang="en-US" altLang="zh-CN" dirty="0"/>
+              <a:t>DS1</a:t>
+            </a:r>
+            <a:r>
+              <a:rPr lang="zh-CN" altLang="en-US" dirty="0"/>
+              <a:t>中的变量</a:t>
+            </a:r>
+            <a:r>
+              <a:rPr lang="en-US" altLang="zh-CN" dirty="0"/>
+              <a:t>X</a:t>
+            </a:r>
+            <a:r>
+              <a:rPr lang="zh-CN" altLang="en-US" dirty="0"/>
+              <a:t>排序。对于</a:t>
+            </a:r>
+            <a:r>
+              <a:rPr lang="en-US" altLang="zh-CN" dirty="0" err="1"/>
+              <a:t>n.var</a:t>
+            </a:r>
+            <a:r>
+              <a:rPr lang="zh-CN" altLang="en-US" dirty="0"/>
+              <a:t>中第二个元素，比如</a:t>
+            </a:r>
+            <a:r>
+              <a:rPr lang="en-US" altLang="zh-CN" dirty="0"/>
+              <a:t>50</a:t>
+            </a:r>
+            <a:r>
+              <a:rPr lang="zh-CN" altLang="en-US" dirty="0"/>
+              <a:t>，从排序后的</a:t>
+            </a:r>
+            <a:r>
+              <a:rPr lang="en-US" altLang="zh-CN" dirty="0"/>
+              <a:t>DS1</a:t>
+            </a:r>
+            <a:r>
+              <a:rPr lang="zh-CN" altLang="en-US" dirty="0"/>
+              <a:t>中顺序选</a:t>
+            </a:r>
+            <a:r>
+              <a:rPr lang="en-US" altLang="zh-CN" dirty="0"/>
+              <a:t>50</a:t>
+            </a:r>
+            <a:r>
+              <a:rPr lang="zh-CN" altLang="en-US" dirty="0"/>
+              <a:t>个</a:t>
+            </a:r>
+            <a:r>
+              <a:rPr lang="en-US" altLang="zh-CN" dirty="0"/>
+              <a:t>X</a:t>
+            </a:r>
+            <a:r>
+              <a:rPr lang="zh-CN" altLang="en-US" dirty="0"/>
+              <a:t>，而</a:t>
+            </a:r>
+            <a:r>
+              <a:rPr lang="en-US" altLang="zh-CN" dirty="0"/>
+              <a:t>Y</a:t>
+            </a:r>
+            <a:r>
+              <a:rPr lang="zh-CN" altLang="en-US" dirty="0"/>
+              <a:t>不变</a:t>
+            </a:r>
+            <a:endParaRPr lang="en-US" altLang="zh-CN" dirty="0"/>
+          </a:p>
+          <a:p>
+            <a:r>
+              <a:rPr lang="zh-CN" altLang="en-US" dirty="0"/>
+              <a:t>去做随机森林。以此类推，并将每次测试集的预测值写入</a:t>
+            </a:r>
+            <a:r>
+              <a:rPr lang="en-US" altLang="zh-CN" dirty="0" err="1"/>
+              <a:t>cv.pred</a:t>
+            </a:r>
+            <a:r>
+              <a:rPr lang="zh-CN" altLang="en-US" dirty="0"/>
+              <a:t>中。最终</a:t>
+            </a:r>
+            <a:r>
+              <a:rPr lang="en-US" altLang="zh-CN" dirty="0"/>
+              <a:t>1</a:t>
+            </a:r>
+            <a:r>
+              <a:rPr lang="zh-CN" altLang="en-US" dirty="0"/>
+              <a:t>次</a:t>
+            </a:r>
+            <a:r>
+              <a:rPr lang="en-US" altLang="zh-CN" dirty="0"/>
+              <a:t>CV</a:t>
+            </a:r>
+            <a:r>
+              <a:rPr lang="zh-CN" altLang="en-US" dirty="0"/>
+              <a:t>得到的</a:t>
+            </a:r>
+            <a:r>
+              <a:rPr lang="en-US" altLang="zh-CN" dirty="0" err="1"/>
+              <a:t>cv.pred</a:t>
+            </a:r>
+            <a:r>
+              <a:rPr lang="zh-CN" altLang="en-US" dirty="0"/>
+              <a:t>为</a:t>
+            </a:r>
+            <a:r>
+              <a:rPr lang="en-US" altLang="zh-CN" dirty="0"/>
+              <a:t>K</a:t>
+            </a:r>
+            <a:r>
+              <a:rPr lang="zh-CN" altLang="en-US" dirty="0"/>
+              <a:t>个向量，</a:t>
+            </a:r>
+            <a:endParaRPr lang="en-US" altLang="zh-CN" dirty="0"/>
+          </a:p>
+          <a:p>
+            <a:r>
+              <a:rPr lang="zh-CN" altLang="en-US" dirty="0"/>
+              <a:t>每个向量有</a:t>
+            </a:r>
+            <a:r>
+              <a:rPr lang="en-US" altLang="zh-CN" dirty="0"/>
+              <a:t>m</a:t>
+            </a:r>
+            <a:r>
+              <a:rPr lang="zh-CN" altLang="en-US" dirty="0"/>
+              <a:t>个元素。</a:t>
+            </a:r>
+            <a:r>
+              <a:rPr lang="en-US" altLang="zh-CN" dirty="0"/>
+              <a:t>m</a:t>
+            </a:r>
+            <a:r>
+              <a:rPr lang="zh-CN" altLang="en-US" dirty="0"/>
+              <a:t>为测试集中样本的数目。则重复上面的过程</a:t>
+            </a:r>
+            <a:r>
+              <a:rPr lang="en-US" altLang="zh-CN" dirty="0"/>
+              <a:t>5</a:t>
+            </a:r>
+            <a:r>
+              <a:rPr lang="zh-CN" altLang="en-US" dirty="0"/>
+              <a:t>次，最终得到的</a:t>
+            </a:r>
+            <a:r>
+              <a:rPr lang="en-US" altLang="zh-CN" dirty="0" err="1"/>
+              <a:t>cv.pred</a:t>
+            </a:r>
+            <a:r>
+              <a:rPr lang="zh-CN" altLang="en-US" dirty="0"/>
+              <a:t>中有</a:t>
+            </a:r>
+            <a:r>
+              <a:rPr lang="en-US" altLang="zh-CN" dirty="0"/>
+              <a:t>K</a:t>
+            </a:r>
+            <a:r>
+              <a:rPr lang="zh-CN" altLang="en-US" dirty="0"/>
+              <a:t>个向量，</a:t>
+            </a:r>
+            <a:endParaRPr lang="en-US" altLang="zh-CN" dirty="0"/>
+          </a:p>
+          <a:p>
+            <a:r>
+              <a:rPr lang="zh-CN" altLang="en-US" dirty="0"/>
+              <a:t>每个向量有全部样本的预测值。对</a:t>
+            </a:r>
+            <a:r>
+              <a:rPr lang="en-US" altLang="zh-CN" dirty="0" err="1"/>
+              <a:t>cv.pred</a:t>
+            </a:r>
+            <a:r>
+              <a:rPr lang="zh-CN" altLang="en-US" dirty="0"/>
+              <a:t>中的预测值求</a:t>
+            </a:r>
+            <a:r>
+              <a:rPr lang="en-US" altLang="zh-CN" dirty="0"/>
+              <a:t>error, </a:t>
+            </a:r>
+            <a:r>
+              <a:rPr lang="zh-CN" altLang="en-US" dirty="0"/>
+              <a:t>得到</a:t>
+            </a:r>
+            <a:r>
+              <a:rPr lang="en-US" altLang="zh-CN" dirty="0"/>
+              <a:t>K</a:t>
+            </a:r>
+            <a:r>
+              <a:rPr lang="zh-CN" altLang="en-US" dirty="0"/>
+              <a:t>个</a:t>
+            </a:r>
+            <a:r>
+              <a:rPr lang="en-US" altLang="zh-CN" dirty="0"/>
+              <a:t>error.</a:t>
+            </a:r>
+            <a:r>
+              <a:rPr lang="zh-CN" altLang="en-US" dirty="0"/>
+              <a:t>对应到折线图中的一条折线。</a:t>
+            </a:r>
+            <a:endParaRPr lang="en-US" dirty="0"/>
+          </a:p>
+        </p:txBody>
+      </p:sp>
+    </p:spTree>
+    <p:extLst>
+      <p:ext uri="{BB962C8B-B14F-4D97-AF65-F5344CB8AC3E}">
+        <p14:creationId xmlns:p14="http://schemas.microsoft.com/office/powerpoint/2010/main" val="1760023497"/>
+      </p:ext>
+    </p:extLst>
+  </p:cSld>
+  <p:clrMapOvr>
+    <a:masterClrMapping/>
+  </p:clrMapOvr>
+</p:sld>
+</file>
+
+<file path=ppt/slides/slide7.xml><?xml version="1.0" encoding="utf-8"?>
+<p:sld xmlns:a="http://schemas.openxmlformats.org/drawingml/2006/main" xmlns:r="http://schemas.openxmlformats.org/officeDocument/2006/relationships" xmlns:p="http://schemas.openxmlformats.org/presentationml/2006/main">
+  <p:cSld>
+    <p:spTree>
+      <p:nvGrpSpPr>
+        <p:cNvPr id="1" name=""/>
+        <p:cNvGrpSpPr/>
+        <p:nvPr/>
+      </p:nvGrpSpPr>
+      <p:grpSpPr>
+        <a:xfrm>
+          <a:off x="0" y="0"/>
+          <a:ext cx="0" cy="0"/>
+          <a:chOff x="0" y="0"/>
+          <a:chExt cx="0" cy="0"/>
+        </a:xfrm>
+      </p:grpSpPr>
+      <p:pic>
+        <p:nvPicPr>
+          <p:cNvPr id="5" name="Picture 4">
+            <a:extLst>
+              <a:ext uri="{FF2B5EF4-FFF2-40B4-BE49-F238E27FC236}">
+                <a16:creationId xmlns:a16="http://schemas.microsoft.com/office/drawing/2014/main" id="{8C394AF3-9616-44A5-8C0C-F817A113464C}"/>
+              </a:ext>
+            </a:extLst>
+          </p:cNvPr>
+          <p:cNvPicPr>
+            <a:picLocks noChangeAspect="1"/>
+          </p:cNvPicPr>
+          <p:nvPr/>
+        </p:nvPicPr>
+        <p:blipFill>
+          <a:blip r:embed="rId2">
+            <a:extLst>
+              <a:ext uri="{28A0092B-C50C-407E-A947-70E740481C1C}">
+                <a14:useLocalDpi xmlns:a14="http://schemas.microsoft.com/office/drawing/2010/main" val="0"/>
+              </a:ext>
+            </a:extLst>
+          </a:blip>
+          <a:stretch>
+            <a:fillRect/>
+          </a:stretch>
+        </p:blipFill>
+        <p:spPr>
+          <a:xfrm>
+            <a:off x="2722344" y="596098"/>
+            <a:ext cx="5456393" cy="4709568"/>
+          </a:xfrm>
+          <a:prstGeom prst="rect">
+            <a:avLst/>
+          </a:prstGeom>
+        </p:spPr>
+      </p:pic>
+    </p:spTree>
+    <p:extLst>
+      <p:ext uri="{BB962C8B-B14F-4D97-AF65-F5344CB8AC3E}">
+        <p14:creationId xmlns:p14="http://schemas.microsoft.com/office/powerpoint/2010/main" val="3690975482"/>
       </p:ext>
     </p:extLst>
   </p:cSld>
